--- a/Documents/Non-Euclidean Game Engine - Ceng407 Presentation.pptx
+++ b/Documents/Non-Euclidean Game Engine - Ceng407 Presentation.pptx
@@ -231,7 +231,7 @@
             <a:fld id="{FEB88C82-A9E1-4276-ABA9-B33DB6E4C974}" type="datetimeFigureOut">
               <a:rPr lang="tr-TR" smtClean="0"/>
               <a:pPr/>
-              <a:t>24.01.2021</a:t>
+              <a:t>25.01.2021</a:t>
             </a:fld>
             <a:endParaRPr lang="tr-TR"/>
           </a:p>
@@ -689,7 +689,7 @@
             <a:fld id="{4D4ED457-746A-453E-A471-454C3919D082}" type="datetime1">
               <a:rPr lang="tr-TR" smtClean="0"/>
               <a:pPr/>
-              <a:t>24.01.2021</a:t>
+              <a:t>25.01.2021</a:t>
             </a:fld>
             <a:endParaRPr lang="tr-TR"/>
           </a:p>
@@ -1023,7 +1023,7 @@
             <a:fld id="{4AE342D3-ED73-4597-A5F9-15DADAF038D1}" type="datetime1">
               <a:rPr lang="tr-TR" smtClean="0"/>
               <a:pPr/>
-              <a:t>24.01.2021</a:t>
+              <a:t>25.01.2021</a:t>
             </a:fld>
             <a:endParaRPr lang="tr-TR"/>
           </a:p>
@@ -1425,7 +1425,7 @@
             <a:fld id="{4AE342D3-ED73-4597-A5F9-15DADAF038D1}" type="datetime1">
               <a:rPr lang="tr-TR" smtClean="0"/>
               <a:pPr/>
-              <a:t>24.01.2021</a:t>
+              <a:t>25.01.2021</a:t>
             </a:fld>
             <a:endParaRPr lang="tr-TR"/>
           </a:p>
@@ -1762,7 +1762,7 @@
             <a:fld id="{4AE342D3-ED73-4597-A5F9-15DADAF038D1}" type="datetime1">
               <a:rPr lang="tr-TR" smtClean="0"/>
               <a:pPr/>
-              <a:t>24.01.2021</a:t>
+              <a:t>25.01.2021</a:t>
             </a:fld>
             <a:endParaRPr lang="tr-TR"/>
           </a:p>
@@ -2083,7 +2083,7 @@
             <a:fld id="{4AE342D3-ED73-4597-A5F9-15DADAF038D1}" type="datetime1">
               <a:rPr lang="tr-TR" smtClean="0"/>
               <a:pPr/>
-              <a:t>24.01.2021</a:t>
+              <a:t>25.01.2021</a:t>
             </a:fld>
             <a:endParaRPr lang="tr-TR"/>
           </a:p>
@@ -2480,7 +2480,7 @@
             <a:fld id="{4AE342D3-ED73-4597-A5F9-15DADAF038D1}" type="datetime1">
               <a:rPr lang="tr-TR" smtClean="0"/>
               <a:pPr/>
-              <a:t>24.01.2021</a:t>
+              <a:t>25.01.2021</a:t>
             </a:fld>
             <a:endParaRPr lang="tr-TR"/>
           </a:p>
@@ -2738,7 +2738,7 @@
             <a:fld id="{3CD3F45E-3F23-4471-914D-AD82436B8FA3}" type="datetime1">
               <a:rPr lang="tr-TR" smtClean="0"/>
               <a:pPr/>
-              <a:t>24.01.2021</a:t>
+              <a:t>25.01.2021</a:t>
             </a:fld>
             <a:endParaRPr lang="tr-TR"/>
           </a:p>
@@ -3000,7 +3000,7 @@
             <a:fld id="{E601F965-205E-45FB-9C6F-2DF8D53E1437}" type="datetime1">
               <a:rPr lang="tr-TR" smtClean="0"/>
               <a:pPr/>
-              <a:t>24.01.2021</a:t>
+              <a:t>25.01.2021</a:t>
             </a:fld>
             <a:endParaRPr lang="tr-TR"/>
           </a:p>
@@ -3262,7 +3262,7 @@
             <a:fld id="{9CA8549B-284E-45CA-A027-25C37A2C5D4E}" type="datetime1">
               <a:rPr lang="tr-TR" smtClean="0"/>
               <a:pPr/>
-              <a:t>24.01.2021</a:t>
+              <a:t>25.01.2021</a:t>
             </a:fld>
             <a:endParaRPr lang="tr-TR"/>
           </a:p>
@@ -3591,7 +3591,7 @@
             <a:fld id="{6D24A0BA-3A34-4797-AA46-80C8CFB64837}" type="datetime1">
               <a:rPr lang="tr-TR" smtClean="0"/>
               <a:pPr/>
-              <a:t>24.01.2021</a:t>
+              <a:t>25.01.2021</a:t>
             </a:fld>
             <a:endParaRPr lang="tr-TR"/>
           </a:p>
@@ -3914,7 +3914,7 @@
             <a:fld id="{2E4A4294-3417-4408-853A-8149FC65A441}" type="datetime1">
               <a:rPr lang="tr-TR" smtClean="0"/>
               <a:pPr/>
-              <a:t>24.01.2021</a:t>
+              <a:t>25.01.2021</a:t>
             </a:fld>
             <a:endParaRPr lang="tr-TR"/>
           </a:p>
@@ -4371,7 +4371,7 @@
             <a:fld id="{53EE8CA8-A961-4E08-82C7-869751F81425}" type="datetime1">
               <a:rPr lang="tr-TR" smtClean="0"/>
               <a:pPr/>
-              <a:t>24.01.2021</a:t>
+              <a:t>25.01.2021</a:t>
             </a:fld>
             <a:endParaRPr lang="tr-TR"/>
           </a:p>
@@ -4581,7 +4581,7 @@
             <a:fld id="{A8744130-0819-417A-84D4-FFDD73CE20B8}" type="datetime1">
               <a:rPr lang="tr-TR" smtClean="0"/>
               <a:pPr/>
-              <a:t>24.01.2021</a:t>
+              <a:t>25.01.2021</a:t>
             </a:fld>
             <a:endParaRPr lang="tr-TR"/>
           </a:p>
@@ -4758,7 +4758,7 @@
             <a:fld id="{CEAABFD8-E673-4B19-AFB0-7A1482B87243}" type="datetime1">
               <a:rPr lang="tr-TR" smtClean="0"/>
               <a:pPr/>
-              <a:t>24.01.2021</a:t>
+              <a:t>25.01.2021</a:t>
             </a:fld>
             <a:endParaRPr lang="tr-TR"/>
           </a:p>
@@ -5091,7 +5091,7 @@
             <a:fld id="{636EB75E-0329-4707-92DD-2FD16BD72A34}" type="datetime1">
               <a:rPr lang="tr-TR" smtClean="0"/>
               <a:pPr/>
-              <a:t>24.01.2021</a:t>
+              <a:t>25.01.2021</a:t>
             </a:fld>
             <a:endParaRPr lang="tr-TR"/>
           </a:p>
@@ -5436,7 +5436,7 @@
             <a:fld id="{36F94297-6643-4344-BF5E-8407223DB37E}" type="datetime1">
               <a:rPr lang="tr-TR" smtClean="0"/>
               <a:pPr/>
-              <a:t>24.01.2021</a:t>
+              <a:t>25.01.2021</a:t>
             </a:fld>
             <a:endParaRPr lang="tr-TR"/>
           </a:p>
@@ -7553,7 +7553,7 @@
             <a:fld id="{4AE342D3-ED73-4597-A5F9-15DADAF038D1}" type="datetime1">
               <a:rPr lang="tr-TR" smtClean="0"/>
               <a:pPr/>
-              <a:t>24.01.2021</a:t>
+              <a:t>25.01.2021</a:t>
             </a:fld>
             <a:endParaRPr lang="tr-TR"/>
           </a:p>
@@ -9266,7 +9266,15 @@
           <a:p>
             <a:r>
               <a:rPr lang="en-US" dirty="0"/>
-              <a:t>After researching existing games in this area, we stumbled upon two main features. Portals and areas that twist the camera of the game so that walls and objects look differently that they actually are to the players.</a:t>
+              <a:t>After researching existing games in this area, we stumbled upon two main features. Portals and areas that twist the camera of the game so that walls and objects look differently th</a:t>
+            </a:r>
+            <a:r>
+              <a:rPr lang="tr-TR" dirty="0"/>
+              <a:t>en</a:t>
+            </a:r>
+            <a:r>
+              <a:rPr lang="en-US" dirty="0"/>
+              <a:t> they actually are to the players.</a:t>
             </a:r>
           </a:p>
           <a:p>
@@ -9279,7 +9287,23 @@
           <a:p>
             <a:r>
               <a:rPr lang="en-US" dirty="0"/>
-              <a:t>And areas that twist the perspective of the player actually imitates a non-Euclidean perspective, so that players’ actually thing they are in a non-Euclidean space.</a:t>
+              <a:t>And areas that twist the perspective of the player </a:t>
+            </a:r>
+            <a:r>
+              <a:rPr lang="tr-TR" dirty="0"/>
+              <a:t>to</a:t>
+            </a:r>
+            <a:r>
+              <a:rPr lang="en-US" dirty="0"/>
+              <a:t> imitate a non-Euclidean perspective, so that players’ actually thin</a:t>
+            </a:r>
+            <a:r>
+              <a:rPr lang="tr-TR" dirty="0"/>
+              <a:t>k</a:t>
+            </a:r>
+            <a:r>
+              <a:rPr lang="en-US" dirty="0"/>
+              <a:t> they are in a non-Euclidean space.</a:t>
             </a:r>
           </a:p>
         </p:txBody>
